--- a/Slides/Week 3 - Part 2 - Validation and feedback.pptx
+++ b/Slides/Week 3 - Part 2 - Validation and feedback.pptx
@@ -2760,19 +2760,37 @@
         </p:nvSpPr>
         <p:spPr/>
         <p:txBody>
-          <a:bodyPr/>
+          <a:bodyPr>
+            <a:normAutofit fontScale="92500" lnSpcReduction="20000"/>
+          </a:bodyPr>
           <a:lstStyle/>
           <a:p>
+            <a:r>
+              <a:rPr lang="en-US" dirty="0" smtClean="0"/>
+              <a:t>Christopher Harrison</a:t>
+            </a:r>
+          </a:p>
+          <a:p>
+            <a:r>
+              <a:rPr lang="en-US" dirty="0" smtClean="0"/>
+              <a:t>@</a:t>
+            </a:r>
+            <a:r>
+              <a:rPr lang="en-US" dirty="0" err="1" smtClean="0"/>
+              <a:t>geektrainer</a:t>
+            </a:r>
             <a:endParaRPr lang="en-US" dirty="0" smtClean="0"/>
           </a:p>
           <a:p>
             <a:r>
               <a:rPr lang="en-US" dirty="0" smtClean="0"/>
-              <a:t>Christopher </a:t>
-            </a:r>
-            <a:r>
-              <a:rPr lang="en-US" dirty="0" smtClean="0"/>
-              <a:t>Harrison, Content Developer, Microsoft</a:t>
+              <a:t>Content Developer</a:t>
+            </a:r>
+          </a:p>
+          <a:p>
+            <a:r>
+              <a:rPr lang="en-US" dirty="0" smtClean="0"/>
+              <a:t>Microsoft</a:t>
             </a:r>
             <a:endParaRPr lang="en-US" dirty="0"/>
           </a:p>
@@ -2977,7 +2995,6 @@
               <a:rPr lang="en-US" dirty="0" smtClean="0"/>
               <a:t>Need to let the user know what went wrong</a:t>
             </a:r>
-            <a:endParaRPr lang="en-US" dirty="0" smtClean="0"/>
           </a:p>
           <a:p>
             <a:endParaRPr lang="en-US" dirty="0"/>
@@ -3061,11 +3078,7 @@
           <a:p>
             <a:r>
               <a:rPr lang="en-US" dirty="0" smtClean="0"/>
-              <a:t>Whenever possible, provide inline </a:t>
-            </a:r>
-            <a:r>
-              <a:rPr lang="en-US" dirty="0" smtClean="0"/>
-              <a:t>help</a:t>
+              <a:t>Whenever possible, provide inline help</a:t>
             </a:r>
           </a:p>
           <a:p>
@@ -3074,7 +3087,6 @@
               <a:rPr lang="en-US" dirty="0" smtClean="0"/>
               <a:t>Can avoid problems right from the start</a:t>
             </a:r>
-            <a:endParaRPr lang="en-US" dirty="0" smtClean="0"/>
           </a:p>
           <a:p>
             <a:r>
@@ -3290,11 +3302,11 @@
   <p:clrMapOvr>
     <a:masterClrMapping/>
   </p:clrMapOvr>
-  <mc:AlternateContent xmlns:mc="http://schemas.openxmlformats.org/markup-compatibility/2006">
-    <mc:Choice xmlns:p14="http://schemas.microsoft.com/office/powerpoint/2010/main" Requires="p14">
+  <mc:AlternateContent xmlns:mc="http://schemas.openxmlformats.org/markup-compatibility/2006" xmlns:p14="http://schemas.microsoft.com/office/powerpoint/2010/main">
+    <mc:Choice Requires="p14">
       <p:transition spd="slow" p14:dur="2000"/>
     </mc:Choice>
-    <mc:Fallback>
+    <mc:Fallback xmlns="">
       <p:transition spd="slow"/>
     </mc:Fallback>
   </mc:AlternateContent>
@@ -3358,11 +3370,11 @@
   <p:clrMapOvr>
     <a:masterClrMapping/>
   </p:clrMapOvr>
-  <mc:AlternateContent xmlns:mc="http://schemas.openxmlformats.org/markup-compatibility/2006">
-    <mc:Choice xmlns:p14="http://schemas.microsoft.com/office/powerpoint/2010/main" Requires="p14">
+  <mc:AlternateContent xmlns:mc="http://schemas.openxmlformats.org/markup-compatibility/2006" xmlns:p14="http://schemas.microsoft.com/office/powerpoint/2010/main">
+    <mc:Choice Requires="p14">
       <p:transition spd="slow" p14:dur="2000"/>
     </mc:Choice>
-    <mc:Fallback>
+    <mc:Fallback xmlns="">
       <p:transition spd="slow"/>
     </mc:Fallback>
   </mc:AlternateContent>
@@ -4064,21 +4076,6 @@
 </file>
 
 <file path=customXml/item1.xml><?xml version="1.0" encoding="utf-8"?>
-<p:properties xmlns:p="http://schemas.microsoft.com/office/2006/metadata/properties" xmlns:xsi="http://www.w3.org/2001/XMLSchema-instance" xmlns:pc="http://schemas.microsoft.com/office/infopath/2007/PartnerControls">
-  <documentManagement/>
-</p:properties>
-</file>
-
-<file path=customXml/item2.xml><?xml version="1.0" encoding="utf-8"?>
-<?mso-contentType ?>
-<FormTemplates xmlns="http://schemas.microsoft.com/sharepoint/v3/contenttype/forms">
-  <Display>DocumentLibraryForm</Display>
-  <Edit>DocumentLibraryForm</Edit>
-  <New>DocumentLibraryForm</New>
-</FormTemplates>
-</file>
-
-<file path=customXml/item3.xml><?xml version="1.0" encoding="utf-8"?>
 <ct:contentTypeSchema xmlns:ct="http://schemas.microsoft.com/office/2006/metadata/contentType" xmlns:ma="http://schemas.microsoft.com/office/2006/metadata/properties/metaAttributes" ct:_="" ma:_="" ma:contentTypeName="Document" ma:contentTypeID="0x010100A9B9146463917044969030790F8D7E1F" ma:contentTypeVersion="1" ma:contentTypeDescription="Create a new document." ma:contentTypeScope="" ma:versionID="88cb810aac341a62f87e1e4b3de4b413">
   <xsd:schema xmlns:xsd="http://www.w3.org/2001/XMLSchema" xmlns:xs="http://www.w3.org/2001/XMLSchema" xmlns:p="http://schemas.microsoft.com/office/2006/metadata/properties" xmlns:ns3="239b4775-11ac-4188-ac69-b5b775bb2155" targetNamespace="http://schemas.microsoft.com/office/2006/metadata/properties" ma:root="true" ma:fieldsID="a6232b10dbb3dfcaf3920bb7009c4722" ns3:_="">
     <xsd:import namespace="239b4775-11ac-4188-ac69-b5b775bb2155"/>
@@ -4218,31 +4215,22 @@
 </ct:contentTypeSchema>
 </file>
 
-<file path=customXml/itemProps1.xml><?xml version="1.0" encoding="utf-8"?>
-<ds:datastoreItem xmlns:ds="http://schemas.openxmlformats.org/officeDocument/2006/customXml" ds:itemID="{605C38A2-25DD-4ECF-BF7B-1D95CEE2F814}">
-  <ds:schemaRefs>
-    <ds:schemaRef ds:uri="http://schemas.microsoft.com/office/infopath/2007/PartnerControls"/>
-    <ds:schemaRef ds:uri="http://purl.org/dc/elements/1.1/"/>
-    <ds:schemaRef ds:uri="http://schemas.microsoft.com/office/2006/metadata/properties"/>
-    <ds:schemaRef ds:uri="http://schemas.microsoft.com/office/2006/documentManagement/types"/>
-    <ds:schemaRef ds:uri="http://purl.org/dc/terms/"/>
-    <ds:schemaRef ds:uri="http://schemas.openxmlformats.org/package/2006/metadata/core-properties"/>
-    <ds:schemaRef ds:uri="http://purl.org/dc/dcmitype/"/>
-    <ds:schemaRef ds:uri="239b4775-11ac-4188-ac69-b5b775bb2155"/>
-    <ds:schemaRef ds:uri="http://www.w3.org/XML/1998/namespace"/>
-  </ds:schemaRefs>
-</ds:datastoreItem>
+<file path=customXml/item2.xml><?xml version="1.0" encoding="utf-8"?>
+<?mso-contentType ?>
+<FormTemplates xmlns="http://schemas.microsoft.com/sharepoint/v3/contenttype/forms">
+  <Display>DocumentLibraryForm</Display>
+  <Edit>DocumentLibraryForm</Edit>
+  <New>DocumentLibraryForm</New>
+</FormTemplates>
 </file>
 
-<file path=customXml/itemProps2.xml><?xml version="1.0" encoding="utf-8"?>
-<ds:datastoreItem xmlns:ds="http://schemas.openxmlformats.org/officeDocument/2006/customXml" ds:itemID="{90F66304-B63B-4DC3-9FE6-FB0A9E17CD06}">
-  <ds:schemaRefs>
-    <ds:schemaRef ds:uri="http://schemas.microsoft.com/sharepoint/v3/contenttype/forms"/>
-  </ds:schemaRefs>
-</ds:datastoreItem>
+<file path=customXml/item3.xml><?xml version="1.0" encoding="utf-8"?>
+<p:properties xmlns:p="http://schemas.microsoft.com/office/2006/metadata/properties" xmlns:xsi="http://www.w3.org/2001/XMLSchema-instance" xmlns:pc="http://schemas.microsoft.com/office/infopath/2007/PartnerControls">
+  <documentManagement/>
+</p:properties>
 </file>
 
-<file path=customXml/itemProps3.xml><?xml version="1.0" encoding="utf-8"?>
+<file path=customXml/itemProps1.xml><?xml version="1.0" encoding="utf-8"?>
 <ds:datastoreItem xmlns:ds="http://schemas.openxmlformats.org/officeDocument/2006/customXml" ds:itemID="{64076F6A-F6B4-41FD-BEBD-B0826AC555FB}">
   <ds:schemaRefs>
     <ds:schemaRef ds:uri="http://schemas.microsoft.com/office/2006/metadata/contentType"/>
@@ -4258,4 +4246,28 @@
     <ds:schemaRef ds:uri="http://schemas.microsoft.com/internal/obd"/>
   </ds:schemaRefs>
 </ds:datastoreItem>
+</file>
+
+<file path=customXml/itemProps2.xml><?xml version="1.0" encoding="utf-8"?>
+<ds:datastoreItem xmlns:ds="http://schemas.openxmlformats.org/officeDocument/2006/customXml" ds:itemID="{90F66304-B63B-4DC3-9FE6-FB0A9E17CD06}">
+  <ds:schemaRefs>
+    <ds:schemaRef ds:uri="http://schemas.microsoft.com/sharepoint/v3/contenttype/forms"/>
+  </ds:schemaRefs>
+</ds:datastoreItem>
+</file>
+
+<file path=customXml/itemProps3.xml><?xml version="1.0" encoding="utf-8"?>
+<ds:datastoreItem xmlns:ds="http://schemas.openxmlformats.org/officeDocument/2006/customXml" ds:itemID="{605C38A2-25DD-4ECF-BF7B-1D95CEE2F814}">
+  <ds:schemaRefs>
+    <ds:schemaRef ds:uri="http://schemas.microsoft.com/office/infopath/2007/PartnerControls"/>
+    <ds:schemaRef ds:uri="http://purl.org/dc/elements/1.1/"/>
+    <ds:schemaRef ds:uri="http://schemas.microsoft.com/office/2006/metadata/properties"/>
+    <ds:schemaRef ds:uri="http://schemas.microsoft.com/office/2006/documentManagement/types"/>
+    <ds:schemaRef ds:uri="http://purl.org/dc/terms/"/>
+    <ds:schemaRef ds:uri="http://schemas.openxmlformats.org/package/2006/metadata/core-properties"/>
+    <ds:schemaRef ds:uri="http://purl.org/dc/dcmitype/"/>
+    <ds:schemaRef ds:uri="239b4775-11ac-4188-ac69-b5b775bb2155"/>
+    <ds:schemaRef ds:uri="http://www.w3.org/XML/1998/namespace"/>
+  </ds:schemaRefs>
+</ds:datastoreItem>
 </file>
--- a/Slides/Week 3 - Part 2 - Validation and feedback.pptx
+++ b/Slides/Week 3 - Part 2 - Validation and feedback.pptx
@@ -7,15 +7,13 @@
   <p:sldIdLst>
     <p:sldId id="256" r:id="rId5"/>
     <p:sldId id="267" r:id="rId6"/>
-    <p:sldId id="273" r:id="rId7"/>
-    <p:sldId id="274" r:id="rId8"/>
-    <p:sldId id="287" r:id="rId9"/>
-    <p:sldId id="288" r:id="rId10"/>
-    <p:sldId id="271" r:id="rId11"/>
-    <p:sldId id="272" r:id="rId12"/>
-    <p:sldId id="269" r:id="rId13"/>
-    <p:sldId id="270" r:id="rId14"/>
-    <p:sldId id="266" r:id="rId15"/>
+    <p:sldId id="287" r:id="rId7"/>
+    <p:sldId id="288" r:id="rId8"/>
+    <p:sldId id="271" r:id="rId9"/>
+    <p:sldId id="272" r:id="rId10"/>
+    <p:sldId id="269" r:id="rId11"/>
+    <p:sldId id="270" r:id="rId12"/>
+    <p:sldId id="266" r:id="rId13"/>
   </p:sldIdLst>
   <p:sldSz cx="12192000" cy="6858000"/>
   <p:notesSz cx="6858000" cy="9144000"/>
@@ -2816,111 +2814,6 @@
 </p:sld>
 </file>
 
-<file path=ppt/slides/slide10.xml><?xml version="1.0" encoding="utf-8"?>
-<p:sld xmlns:a="http://schemas.openxmlformats.org/drawingml/2006/main" xmlns:r="http://schemas.openxmlformats.org/officeDocument/2006/relationships" xmlns:p="http://schemas.openxmlformats.org/presentationml/2006/main">
-  <p:cSld>
-    <p:spTree>
-      <p:nvGrpSpPr>
-        <p:cNvPr id="1" name=""/>
-        <p:cNvGrpSpPr/>
-        <p:nvPr/>
-      </p:nvGrpSpPr>
-      <p:grpSpPr>
-        <a:xfrm>
-          <a:off x="0" y="0"/>
-          <a:ext cx="0" cy="0"/>
-          <a:chOff x="0" y="0"/>
-          <a:chExt cx="0" cy="0"/>
-        </a:xfrm>
-      </p:grpSpPr>
-      <p:sp>
-        <p:nvSpPr>
-          <p:cNvPr id="4" name="Title 3"/>
-          <p:cNvSpPr>
-            <a:spLocks noGrp="1"/>
-          </p:cNvSpPr>
-          <p:nvPr>
-            <p:ph type="title"/>
-          </p:nvPr>
-        </p:nvSpPr>
-        <p:spPr/>
-        <p:txBody>
-          <a:bodyPr/>
-          <a:lstStyle/>
-          <a:p>
-            <a:r>
-              <a:rPr lang="en-US" dirty="0" smtClean="0"/>
-              <a:t>Hello, Dialog</a:t>
-            </a:r>
-            <a:endParaRPr lang="en-US" dirty="0"/>
-          </a:p>
-        </p:txBody>
-      </p:sp>
-    </p:spTree>
-    <p:extLst>
-      <p:ext uri="{BB962C8B-B14F-4D97-AF65-F5344CB8AC3E}">
-        <p14:creationId xmlns:p14="http://schemas.microsoft.com/office/powerpoint/2010/main" val="2691519725"/>
-      </p:ext>
-    </p:extLst>
-  </p:cSld>
-  <p:clrMapOvr>
-    <a:masterClrMapping/>
-  </p:clrMapOvr>
-  <p:timing>
-    <p:tnLst>
-      <p:par>
-        <p:cTn id="1" dur="indefinite" restart="never" nodeType="tmRoot"/>
-      </p:par>
-    </p:tnLst>
-  </p:timing>
-</p:sld>
-</file>
-
-<file path=ppt/slides/slide11.xml><?xml version="1.0" encoding="utf-8"?>
-<p:sld xmlns:a="http://schemas.openxmlformats.org/drawingml/2006/main" xmlns:r="http://schemas.openxmlformats.org/officeDocument/2006/relationships" xmlns:p="http://schemas.openxmlformats.org/presentationml/2006/main">
-  <p:cSld>
-    <p:spTree>
-      <p:nvGrpSpPr>
-        <p:cNvPr id="1" name=""/>
-        <p:cNvGrpSpPr/>
-        <p:nvPr/>
-      </p:nvGrpSpPr>
-      <p:grpSpPr>
-        <a:xfrm>
-          <a:off x="0" y="0"/>
-          <a:ext cx="0" cy="0"/>
-          <a:chOff x="0" y="0"/>
-          <a:chExt cx="0" cy="0"/>
-        </a:xfrm>
-      </p:grpSpPr>
-    </p:spTree>
-    <p:extLst>
-      <p:ext uri="{BB962C8B-B14F-4D97-AF65-F5344CB8AC3E}">
-        <p14:creationId xmlns:p14="http://schemas.microsoft.com/office/powerpoint/2010/main" val="1053447472"/>
-      </p:ext>
-    </p:extLst>
-  </p:cSld>
-  <p:clrMapOvr>
-    <a:masterClrMapping/>
-  </p:clrMapOvr>
-  <mc:AlternateContent xmlns:mc="http://schemas.openxmlformats.org/markup-compatibility/2006" xmlns:p14="http://schemas.microsoft.com/office/powerpoint/2010/main">
-    <mc:Choice Requires="p14">
-      <p:transition spd="slow" p14:dur="2000"/>
-    </mc:Choice>
-    <mc:Fallback xmlns="">
-      <p:transition spd="slow"/>
-    </mc:Fallback>
-  </mc:AlternateContent>
-  <p:timing>
-    <p:tnLst>
-      <p:par>
-        <p:cTn id="1" dur="indefinite" restart="never" nodeType="tmRoot"/>
-      </p:par>
-    </p:tnLst>
-  </p:timing>
-</p:sld>
-</file>
-
 <file path=ppt/slides/slide2.xml><?xml version="1.0" encoding="utf-8"?>
 <p:sld xmlns:a="http://schemas.openxmlformats.org/drawingml/2006/main" xmlns:r="http://schemas.openxmlformats.org/officeDocument/2006/relationships" xmlns:p="http://schemas.openxmlformats.org/presentationml/2006/main">
   <p:cSld>
@@ -3055,7 +2948,7 @@
           <a:p>
             <a:r>
               <a:rPr lang="en-US" dirty="0" smtClean="0"/>
-              <a:t>Providing Help</a:t>
+              <a:t>Validation Classes</a:t>
             </a:r>
             <a:endParaRPr lang="en-US" dirty="0"/>
           </a:p>
@@ -3078,54 +2971,63 @@
           <a:p>
             <a:r>
               <a:rPr lang="en-US" dirty="0" smtClean="0"/>
-              <a:t>Whenever possible, provide inline help</a:t>
+              <a:t>Simple validation UI</a:t>
             </a:r>
           </a:p>
           <a:p>
             <a:pPr lvl="1"/>
             <a:r>
               <a:rPr lang="en-US" dirty="0" smtClean="0"/>
-              <a:t>Can avoid problems right from the start</a:t>
+              <a:t>Built-in icons available</a:t>
             </a:r>
           </a:p>
           <a:p>
             <a:r>
               <a:rPr lang="en-US" dirty="0" smtClean="0"/>
-              <a:t>Bootstrap offers two main options</a:t>
+              <a:t>States</a:t>
             </a:r>
           </a:p>
           <a:p>
             <a:pPr lvl="1"/>
             <a:r>
               <a:rPr lang="en-US" dirty="0" smtClean="0"/>
-              <a:t>Tooltip for </a:t>
-            </a:r>
-            <a:r>
-              <a:rPr lang="en-US" dirty="0" err="1" smtClean="0"/>
-              <a:t>mouseover</a:t>
-            </a:r>
-            <a:endParaRPr lang="en-US" dirty="0" smtClean="0"/>
+              <a:t>Success</a:t>
+            </a:r>
           </a:p>
           <a:p>
             <a:pPr lvl="1"/>
             <a:r>
               <a:rPr lang="en-US" dirty="0" smtClean="0"/>
-              <a:t>Popover for a click</a:t>
-            </a:r>
-            <a:endParaRPr lang="en-US" dirty="0"/>
+              <a:t>Warning</a:t>
+            </a:r>
+          </a:p>
+          <a:p>
+            <a:pPr lvl="1"/>
+            <a:r>
+              <a:rPr lang="en-US" dirty="0" smtClean="0"/>
+              <a:t>Error</a:t>
+            </a:r>
           </a:p>
         </p:txBody>
       </p:sp>
     </p:spTree>
     <p:extLst>
       <p:ext uri="{BB962C8B-B14F-4D97-AF65-F5344CB8AC3E}">
-        <p14:creationId xmlns:p14="http://schemas.microsoft.com/office/powerpoint/2010/main" val="1298445941"/>
+        <p14:creationId xmlns:p14="http://schemas.microsoft.com/office/powerpoint/2010/main" val="3763108372"/>
       </p:ext>
     </p:extLst>
   </p:cSld>
   <p:clrMapOvr>
     <a:masterClrMapping/>
   </p:clrMapOvr>
+  <mc:AlternateContent xmlns:mc="http://schemas.openxmlformats.org/markup-compatibility/2006" xmlns:p14="http://schemas.microsoft.com/office/powerpoint/2010/main">
+    <mc:Choice Requires="p14">
+      <p:transition spd="slow" p14:dur="2000"/>
+    </mc:Choice>
+    <mc:Fallback xmlns="">
+      <p:transition spd="slow"/>
+    </mc:Fallback>
+  </mc:AlternateContent>
   <p:timing>
     <p:tnLst>
       <p:par>
@@ -3155,7 +3057,7 @@
       </p:grpSpPr>
       <p:sp>
         <p:nvSpPr>
-          <p:cNvPr id="2" name="Title 1"/>
+          <p:cNvPr id="4" name="Title 3"/>
           <p:cNvSpPr>
             <a:spLocks noGrp="1"/>
           </p:cNvSpPr>
@@ -3170,7 +3072,7 @@
           <a:p>
             <a:r>
               <a:rPr lang="en-US" dirty="0" smtClean="0"/>
-              <a:t>Providing Help</a:t>
+              <a:t>Inline Validation</a:t>
             </a:r>
             <a:endParaRPr lang="en-US" dirty="0"/>
           </a:p>
@@ -3179,13 +3081,21 @@
     </p:spTree>
     <p:extLst>
       <p:ext uri="{BB962C8B-B14F-4D97-AF65-F5344CB8AC3E}">
-        <p14:creationId xmlns:p14="http://schemas.microsoft.com/office/powerpoint/2010/main" val="1752991309"/>
+        <p14:creationId xmlns:p14="http://schemas.microsoft.com/office/powerpoint/2010/main" val="1422217035"/>
       </p:ext>
     </p:extLst>
   </p:cSld>
   <p:clrMapOvr>
     <a:masterClrMapping/>
   </p:clrMapOvr>
+  <mc:AlternateContent xmlns:mc="http://schemas.openxmlformats.org/markup-compatibility/2006" xmlns:p14="http://schemas.microsoft.com/office/powerpoint/2010/main">
+    <mc:Choice Requires="p14">
+      <p:transition spd="slow" p14:dur="2000"/>
+    </mc:Choice>
+    <mc:Fallback xmlns="">
+      <p:transition spd="slow"/>
+    </mc:Fallback>
+  </mc:AlternateContent>
   <p:timing>
     <p:tnLst>
       <p:par>
@@ -3230,7 +3140,7 @@
           <a:p>
             <a:r>
               <a:rPr lang="en-US" dirty="0" smtClean="0"/>
-              <a:t>Validation Classes</a:t>
+              <a:t>Alerts</a:t>
             </a:r>
             <a:endParaRPr lang="en-US" dirty="0"/>
           </a:p>
@@ -3248,46 +3158,103 @@
         </p:nvSpPr>
         <p:spPr/>
         <p:txBody>
-          <a:bodyPr/>
+          <a:bodyPr>
+            <a:normAutofit lnSpcReduction="10000"/>
+          </a:bodyPr>
           <a:lstStyle/>
           <a:p>
             <a:r>
               <a:rPr lang="en-US" dirty="0" smtClean="0"/>
-              <a:t>Simple validation UI</a:t>
+              <a:t>Subtle information</a:t>
             </a:r>
           </a:p>
           <a:p>
             <a:pPr lvl="1"/>
             <a:r>
               <a:rPr lang="en-US" dirty="0" smtClean="0"/>
-              <a:t>Built-in icons available</a:t>
-            </a:r>
-          </a:p>
-          <a:p>
+              <a:t>Background task completed</a:t>
+            </a:r>
+          </a:p>
+          <a:p>
+            <a:pPr lvl="1"/>
             <a:r>
               <a:rPr lang="en-US" dirty="0" smtClean="0"/>
-              <a:t>States</a:t>
+              <a:t>Operation on prior page completed</a:t>
+            </a:r>
+          </a:p>
+          <a:p>
+            <a:r>
+              <a:rPr lang="en-US" dirty="0" smtClean="0"/>
+              <a:t>Added with classes</a:t>
             </a:r>
           </a:p>
           <a:p>
             <a:pPr lvl="1"/>
             <a:r>
               <a:rPr lang="en-US" dirty="0" smtClean="0"/>
+              <a:t>alert</a:t>
+            </a:r>
+          </a:p>
+          <a:p>
+            <a:pPr lvl="1"/>
+            <a:r>
+              <a:rPr lang="en-US" dirty="0" smtClean="0"/>
+              <a:t>alert-type</a:t>
+            </a:r>
+          </a:p>
+          <a:p>
+            <a:pPr lvl="2"/>
+            <a:r>
+              <a:rPr lang="en-US" b="1" dirty="0" smtClean="0">
+                <a:solidFill>
+                  <a:srgbClr val="00B050"/>
+                </a:solidFill>
+              </a:rPr>
               <a:t>Success</a:t>
             </a:r>
-          </a:p>
-          <a:p>
-            <a:pPr lvl="1"/>
-            <a:r>
-              <a:rPr lang="en-US" dirty="0" smtClean="0"/>
+            <a:endParaRPr lang="en-US" b="1" dirty="0">
+              <a:solidFill>
+                <a:srgbClr val="00B050"/>
+              </a:solidFill>
+            </a:endParaRPr>
+          </a:p>
+          <a:p>
+            <a:pPr lvl="2"/>
+            <a:r>
+              <a:rPr lang="en-US" b="1" dirty="0">
+                <a:solidFill>
+                  <a:srgbClr val="00B0F0"/>
+                </a:solidFill>
+              </a:rPr>
+              <a:t>Info</a:t>
+            </a:r>
+          </a:p>
+          <a:p>
+            <a:pPr lvl="2"/>
+            <a:r>
+              <a:rPr lang="en-US" b="1" dirty="0">
+                <a:solidFill>
+                  <a:srgbClr val="FFC000"/>
+                </a:solidFill>
+              </a:rPr>
               <a:t>Warning</a:t>
             </a:r>
           </a:p>
           <a:p>
-            <a:pPr lvl="1"/>
-            <a:r>
-              <a:rPr lang="en-US" dirty="0" smtClean="0"/>
-              <a:t>Error</a:t>
+            <a:pPr lvl="2"/>
+            <a:r>
+              <a:rPr lang="en-US" b="1" dirty="0" smtClean="0">
+                <a:solidFill>
+                  <a:srgbClr val="FF0000"/>
+                </a:solidFill>
+              </a:rPr>
+              <a:t>Danger</a:t>
+            </a:r>
+          </a:p>
+          <a:p>
+            <a:r>
+              <a:rPr lang="en-US" dirty="0"/>
+              <a:t>Add alert-dismissible to make the alert dismissible</a:t>
             </a:r>
           </a:p>
         </p:txBody>
@@ -3295,21 +3262,13 @@
     </p:spTree>
     <p:extLst>
       <p:ext uri="{BB962C8B-B14F-4D97-AF65-F5344CB8AC3E}">
-        <p14:creationId xmlns:p14="http://schemas.microsoft.com/office/powerpoint/2010/main" val="3763108372"/>
+        <p14:creationId xmlns:p14="http://schemas.microsoft.com/office/powerpoint/2010/main" val="708869756"/>
       </p:ext>
     </p:extLst>
   </p:cSld>
   <p:clrMapOvr>
     <a:masterClrMapping/>
   </p:clrMapOvr>
-  <mc:AlternateContent xmlns:mc="http://schemas.openxmlformats.org/markup-compatibility/2006" xmlns:p14="http://schemas.microsoft.com/office/powerpoint/2010/main">
-    <mc:Choice Requires="p14">
-      <p:transition spd="slow" p14:dur="2000"/>
-    </mc:Choice>
-    <mc:Fallback xmlns="">
-      <p:transition spd="slow"/>
-    </mc:Fallback>
-  </mc:AlternateContent>
   <p:timing>
     <p:tnLst>
       <p:par>
@@ -3354,7 +3313,7 @@
           <a:p>
             <a:r>
               <a:rPr lang="en-US" dirty="0" smtClean="0"/>
-              <a:t>Inline Validation</a:t>
+              <a:t>Adding Alerts</a:t>
             </a:r>
             <a:endParaRPr lang="en-US" dirty="0"/>
           </a:p>
@@ -3363,21 +3322,13 @@
     </p:spTree>
     <p:extLst>
       <p:ext uri="{BB962C8B-B14F-4D97-AF65-F5344CB8AC3E}">
-        <p14:creationId xmlns:p14="http://schemas.microsoft.com/office/powerpoint/2010/main" val="1422217035"/>
+        <p14:creationId xmlns:p14="http://schemas.microsoft.com/office/powerpoint/2010/main" val="1666995016"/>
       </p:ext>
     </p:extLst>
   </p:cSld>
   <p:clrMapOvr>
     <a:masterClrMapping/>
   </p:clrMapOvr>
-  <mc:AlternateContent xmlns:mc="http://schemas.openxmlformats.org/markup-compatibility/2006" xmlns:p14="http://schemas.microsoft.com/office/powerpoint/2010/main">
-    <mc:Choice Requires="p14">
-      <p:transition spd="slow" p14:dur="2000"/>
-    </mc:Choice>
-    <mc:Fallback xmlns="">
-      <p:transition spd="slow"/>
-    </mc:Fallback>
-  </mc:AlternateContent>
   <p:timing>
     <p:tnLst>
       <p:par>
@@ -3407,7 +3358,7 @@
       </p:grpSpPr>
       <p:sp>
         <p:nvSpPr>
-          <p:cNvPr id="3" name="Title 2"/>
+          <p:cNvPr id="2" name="Title 1"/>
           <p:cNvSpPr>
             <a:spLocks noGrp="1"/>
           </p:cNvSpPr>
@@ -3422,7 +3373,7 @@
           <a:p>
             <a:r>
               <a:rPr lang="en-US" dirty="0" smtClean="0"/>
-              <a:t>Alerts</a:t>
+              <a:t>Modal Dialogs</a:t>
             </a:r>
             <a:endParaRPr lang="en-US" dirty="0"/>
           </a:p>
@@ -3430,7 +3381,7 @@
       </p:sp>
       <p:sp>
         <p:nvSpPr>
-          <p:cNvPr id="4" name="Content Placeholder 3"/>
+          <p:cNvPr id="3" name="Content Placeholder 2"/>
           <p:cNvSpPr>
             <a:spLocks noGrp="1"/>
           </p:cNvSpPr>
@@ -3447,104 +3398,95 @@
           <a:p>
             <a:r>
               <a:rPr lang="en-US" dirty="0" smtClean="0"/>
-              <a:t>Subtle information</a:t>
+              <a:t>Configure dialog using classes</a:t>
             </a:r>
           </a:p>
           <a:p>
             <a:pPr lvl="1"/>
             <a:r>
               <a:rPr lang="en-US" dirty="0" smtClean="0"/>
-              <a:t>Background task completed</a:t>
+              <a:t>Container: modal</a:t>
+            </a:r>
+          </a:p>
+          <a:p>
+            <a:pPr lvl="2"/>
+            <a:r>
+              <a:rPr lang="en-US" dirty="0" smtClean="0"/>
+              <a:t>Configure dialog: modal-dialog</a:t>
+            </a:r>
+          </a:p>
+          <a:p>
+            <a:pPr lvl="3"/>
+            <a:r>
+              <a:rPr lang="en-US" dirty="0"/>
+              <a:t>Content: </a:t>
+            </a:r>
+            <a:r>
+              <a:rPr lang="en-US" dirty="0" smtClean="0"/>
+              <a:t>modal-content</a:t>
+            </a:r>
+          </a:p>
+          <a:p>
+            <a:pPr lvl="4"/>
+            <a:r>
+              <a:rPr lang="en-US" dirty="0" smtClean="0"/>
+              <a:t>Header: modal-header</a:t>
+            </a:r>
+          </a:p>
+          <a:p>
+            <a:pPr lvl="4"/>
+            <a:r>
+              <a:rPr lang="en-US" dirty="0" smtClean="0"/>
+              <a:t>Content: modal-content</a:t>
+            </a:r>
+          </a:p>
+          <a:p>
+            <a:pPr lvl="4"/>
+            <a:r>
+              <a:rPr lang="en-US" dirty="0" smtClean="0"/>
+              <a:t>Footer: modal-footer</a:t>
+            </a:r>
+          </a:p>
+          <a:p>
+            <a:r>
+              <a:rPr lang="en-US" dirty="0" smtClean="0"/>
+              <a:t>Configure launcher using classes</a:t>
             </a:r>
           </a:p>
           <a:p>
             <a:pPr lvl="1"/>
             <a:r>
               <a:rPr lang="en-US" dirty="0" smtClean="0"/>
-              <a:t>Operation on prior page completed</a:t>
-            </a:r>
-          </a:p>
-          <a:p>
+              <a:t>data-toggle="modal"</a:t>
+            </a:r>
+          </a:p>
+          <a:p>
+            <a:pPr lvl="1"/>
             <a:r>
               <a:rPr lang="en-US" dirty="0" smtClean="0"/>
-              <a:t>Added with classes</a:t>
+              <a:t>data-target="&lt;id&gt;"</a:t>
+            </a:r>
+          </a:p>
+          <a:p>
+            <a:r>
+              <a:rPr lang="en-US" dirty="0" smtClean="0"/>
+              <a:t>Configure closer</a:t>
             </a:r>
           </a:p>
           <a:p>
             <a:pPr lvl="1"/>
             <a:r>
               <a:rPr lang="en-US" dirty="0" smtClean="0"/>
-              <a:t>alert</a:t>
-            </a:r>
-          </a:p>
-          <a:p>
-            <a:pPr lvl="1"/>
-            <a:r>
-              <a:rPr lang="en-US" dirty="0" smtClean="0"/>
-              <a:t>alert-type</a:t>
-            </a:r>
-          </a:p>
-          <a:p>
-            <a:pPr lvl="2"/>
-            <a:r>
-              <a:rPr lang="en-US" b="1" dirty="0" smtClean="0">
-                <a:solidFill>
-                  <a:srgbClr val="00B050"/>
-                </a:solidFill>
-              </a:rPr>
-              <a:t>Success</a:t>
-            </a:r>
-            <a:endParaRPr lang="en-US" b="1" dirty="0">
-              <a:solidFill>
-                <a:srgbClr val="00B050"/>
-              </a:solidFill>
-            </a:endParaRPr>
-          </a:p>
-          <a:p>
-            <a:pPr lvl="2"/>
-            <a:r>
-              <a:rPr lang="en-US" b="1" dirty="0">
-                <a:solidFill>
-                  <a:srgbClr val="00B0F0"/>
-                </a:solidFill>
-              </a:rPr>
-              <a:t>Info</a:t>
-            </a:r>
-          </a:p>
-          <a:p>
-            <a:pPr lvl="2"/>
-            <a:r>
-              <a:rPr lang="en-US" b="1" dirty="0">
-                <a:solidFill>
-                  <a:srgbClr val="FFC000"/>
-                </a:solidFill>
-              </a:rPr>
-              <a:t>Warning</a:t>
-            </a:r>
-          </a:p>
-          <a:p>
-            <a:pPr lvl="2"/>
-            <a:r>
-              <a:rPr lang="en-US" b="1" dirty="0" smtClean="0">
-                <a:solidFill>
-                  <a:srgbClr val="FF0000"/>
-                </a:solidFill>
-              </a:rPr>
-              <a:t>Danger</a:t>
-            </a:r>
-          </a:p>
-          <a:p>
-            <a:r>
-              <a:rPr lang="en-US" dirty="0"/>
-              <a:t>Add alert-dismissible to make the alert dismissible</a:t>
-            </a:r>
+              <a:t>data-dismiss="modal"</a:t>
+            </a:r>
+            <a:endParaRPr lang="en-US" dirty="0"/>
           </a:p>
         </p:txBody>
       </p:sp>
     </p:spTree>
     <p:extLst>
       <p:ext uri="{BB962C8B-B14F-4D97-AF65-F5344CB8AC3E}">
-        <p14:creationId xmlns:p14="http://schemas.microsoft.com/office/powerpoint/2010/main" val="708869756"/>
+        <p14:creationId xmlns:p14="http://schemas.microsoft.com/office/powerpoint/2010/main" val="398574365"/>
       </p:ext>
     </p:extLst>
   </p:cSld>
@@ -3595,7 +3537,7 @@
           <a:p>
             <a:r>
               <a:rPr lang="en-US" dirty="0" smtClean="0"/>
-              <a:t>Adding Alerts</a:t>
+              <a:t>Hello, Dialog</a:t>
             </a:r>
             <a:endParaRPr lang="en-US" dirty="0"/>
           </a:p>
@@ -3604,7 +3546,7 @@
     </p:spTree>
     <p:extLst>
       <p:ext uri="{BB962C8B-B14F-4D97-AF65-F5344CB8AC3E}">
-        <p14:creationId xmlns:p14="http://schemas.microsoft.com/office/powerpoint/2010/main" val="1666995016"/>
+        <p14:creationId xmlns:p14="http://schemas.microsoft.com/office/powerpoint/2010/main" val="2691519725"/>
       </p:ext>
     </p:extLst>
   </p:cSld>
@@ -3638,143 +3580,24 @@
           <a:chExt cx="0" cy="0"/>
         </a:xfrm>
       </p:grpSpPr>
-      <p:sp>
-        <p:nvSpPr>
-          <p:cNvPr id="2" name="Title 1"/>
-          <p:cNvSpPr>
-            <a:spLocks noGrp="1"/>
-          </p:cNvSpPr>
-          <p:nvPr>
-            <p:ph type="title"/>
-          </p:nvPr>
-        </p:nvSpPr>
-        <p:spPr/>
-        <p:txBody>
-          <a:bodyPr/>
-          <a:lstStyle/>
-          <a:p>
-            <a:r>
-              <a:rPr lang="en-US" dirty="0" smtClean="0"/>
-              <a:t>Modal Dialogs</a:t>
-            </a:r>
-            <a:endParaRPr lang="en-US" dirty="0"/>
-          </a:p>
-        </p:txBody>
-      </p:sp>
-      <p:sp>
-        <p:nvSpPr>
-          <p:cNvPr id="3" name="Content Placeholder 2"/>
-          <p:cNvSpPr>
-            <a:spLocks noGrp="1"/>
-          </p:cNvSpPr>
-          <p:nvPr>
-            <p:ph sz="quarter" idx="10"/>
-          </p:nvPr>
-        </p:nvSpPr>
-        <p:spPr/>
-        <p:txBody>
-          <a:bodyPr>
-            <a:normAutofit lnSpcReduction="10000"/>
-          </a:bodyPr>
-          <a:lstStyle/>
-          <a:p>
-            <a:r>
-              <a:rPr lang="en-US" dirty="0" smtClean="0"/>
-              <a:t>Configure dialog using classes</a:t>
-            </a:r>
-          </a:p>
-          <a:p>
-            <a:pPr lvl="1"/>
-            <a:r>
-              <a:rPr lang="en-US" dirty="0" smtClean="0"/>
-              <a:t>Container: modal</a:t>
-            </a:r>
-          </a:p>
-          <a:p>
-            <a:pPr lvl="2"/>
-            <a:r>
-              <a:rPr lang="en-US" dirty="0" smtClean="0"/>
-              <a:t>Configure dialog: modal-dialog</a:t>
-            </a:r>
-          </a:p>
-          <a:p>
-            <a:pPr lvl="3"/>
-            <a:r>
-              <a:rPr lang="en-US" dirty="0"/>
-              <a:t>Content: </a:t>
-            </a:r>
-            <a:r>
-              <a:rPr lang="en-US" dirty="0" smtClean="0"/>
-              <a:t>modal-content</a:t>
-            </a:r>
-          </a:p>
-          <a:p>
-            <a:pPr lvl="4"/>
-            <a:r>
-              <a:rPr lang="en-US" dirty="0" smtClean="0"/>
-              <a:t>Header: modal-header</a:t>
-            </a:r>
-          </a:p>
-          <a:p>
-            <a:pPr lvl="4"/>
-            <a:r>
-              <a:rPr lang="en-US" dirty="0" smtClean="0"/>
-              <a:t>Content: modal-content</a:t>
-            </a:r>
-          </a:p>
-          <a:p>
-            <a:pPr lvl="4"/>
-            <a:r>
-              <a:rPr lang="en-US" dirty="0" smtClean="0"/>
-              <a:t>Footer: modal-footer</a:t>
-            </a:r>
-          </a:p>
-          <a:p>
-            <a:r>
-              <a:rPr lang="en-US" dirty="0" smtClean="0"/>
-              <a:t>Configure launcher using classes</a:t>
-            </a:r>
-          </a:p>
-          <a:p>
-            <a:pPr lvl="1"/>
-            <a:r>
-              <a:rPr lang="en-US" dirty="0" smtClean="0"/>
-              <a:t>data-toggle="modal"</a:t>
-            </a:r>
-          </a:p>
-          <a:p>
-            <a:pPr lvl="1"/>
-            <a:r>
-              <a:rPr lang="en-US" dirty="0" smtClean="0"/>
-              <a:t>data-target="&lt;id&gt;"</a:t>
-            </a:r>
-          </a:p>
-          <a:p>
-            <a:r>
-              <a:rPr lang="en-US" dirty="0" smtClean="0"/>
-              <a:t>Configure closer</a:t>
-            </a:r>
-          </a:p>
-          <a:p>
-            <a:pPr lvl="1"/>
-            <a:r>
-              <a:rPr lang="en-US" dirty="0" smtClean="0"/>
-              <a:t>data-dismiss="modal"</a:t>
-            </a:r>
-            <a:endParaRPr lang="en-US" dirty="0"/>
-          </a:p>
-        </p:txBody>
-      </p:sp>
     </p:spTree>
     <p:extLst>
       <p:ext uri="{BB962C8B-B14F-4D97-AF65-F5344CB8AC3E}">
-        <p14:creationId xmlns:p14="http://schemas.microsoft.com/office/powerpoint/2010/main" val="398574365"/>
+        <p14:creationId xmlns:p14="http://schemas.microsoft.com/office/powerpoint/2010/main" val="1053447472"/>
       </p:ext>
     </p:extLst>
   </p:cSld>
   <p:clrMapOvr>
     <a:masterClrMapping/>
   </p:clrMapOvr>
+  <mc:AlternateContent xmlns:mc="http://schemas.openxmlformats.org/markup-compatibility/2006" xmlns:p14="http://schemas.microsoft.com/office/powerpoint/2010/main">
+    <mc:Choice Requires="p14">
+      <p:transition spd="slow" p14:dur="2000"/>
+    </mc:Choice>
+    <mc:Fallback xmlns="">
+      <p:transition spd="slow"/>
+    </mc:Fallback>
+  </mc:AlternateContent>
   <p:timing>
     <p:tnLst>
       <p:par>
@@ -4216,18 +4039,18 @@
 </file>
 
 <file path=customXml/item2.xml><?xml version="1.0" encoding="utf-8"?>
+<p:properties xmlns:p="http://schemas.microsoft.com/office/2006/metadata/properties" xmlns:xsi="http://www.w3.org/2001/XMLSchema-instance" xmlns:pc="http://schemas.microsoft.com/office/infopath/2007/PartnerControls">
+  <documentManagement/>
+</p:properties>
+</file>
+
+<file path=customXml/item3.xml><?xml version="1.0" encoding="utf-8"?>
 <?mso-contentType ?>
 <FormTemplates xmlns="http://schemas.microsoft.com/sharepoint/v3/contenttype/forms">
   <Display>DocumentLibraryForm</Display>
   <Edit>DocumentLibraryForm</Edit>
   <New>DocumentLibraryForm</New>
 </FormTemplates>
-</file>
-
-<file path=customXml/item3.xml><?xml version="1.0" encoding="utf-8"?>
-<p:properties xmlns:p="http://schemas.microsoft.com/office/2006/metadata/properties" xmlns:xsi="http://www.w3.org/2001/XMLSchema-instance" xmlns:pc="http://schemas.microsoft.com/office/infopath/2007/PartnerControls">
-  <documentManagement/>
-</p:properties>
 </file>
 
 <file path=customXml/itemProps1.xml><?xml version="1.0" encoding="utf-8"?>
@@ -4249,14 +4072,6 @@
 </file>
 
 <file path=customXml/itemProps2.xml><?xml version="1.0" encoding="utf-8"?>
-<ds:datastoreItem xmlns:ds="http://schemas.openxmlformats.org/officeDocument/2006/customXml" ds:itemID="{90F66304-B63B-4DC3-9FE6-FB0A9E17CD06}">
-  <ds:schemaRefs>
-    <ds:schemaRef ds:uri="http://schemas.microsoft.com/sharepoint/v3/contenttype/forms"/>
-  </ds:schemaRefs>
-</ds:datastoreItem>
-</file>
-
-<file path=customXml/itemProps3.xml><?xml version="1.0" encoding="utf-8"?>
 <ds:datastoreItem xmlns:ds="http://schemas.openxmlformats.org/officeDocument/2006/customXml" ds:itemID="{605C38A2-25DD-4ECF-BF7B-1D95CEE2F814}">
   <ds:schemaRefs>
     <ds:schemaRef ds:uri="http://schemas.microsoft.com/office/infopath/2007/PartnerControls"/>
@@ -4270,4 +4085,12 @@
     <ds:schemaRef ds:uri="http://www.w3.org/XML/1998/namespace"/>
   </ds:schemaRefs>
 </ds:datastoreItem>
+</file>
+
+<file path=customXml/itemProps3.xml><?xml version="1.0" encoding="utf-8"?>
+<ds:datastoreItem xmlns:ds="http://schemas.openxmlformats.org/officeDocument/2006/customXml" ds:itemID="{90F66304-B63B-4DC3-9FE6-FB0A9E17CD06}">
+  <ds:schemaRefs>
+    <ds:schemaRef ds:uri="http://schemas.microsoft.com/sharepoint/v3/contenttype/forms"/>
+  </ds:schemaRefs>
+</ds:datastoreItem>
 </file>
--- a/Slides/Week 3 - Part 2 - Validation and feedback.pptx
+++ b/Slides/Week 3 - Part 2 - Validation and feedback.pptx
@@ -3397,21 +3397,21 @@
           <a:lstStyle/>
           <a:p>
             <a:r>
-              <a:rPr lang="en-US" dirty="0" smtClean="0"/>
+              <a:rPr lang="en-US" dirty="0"/>
               <a:t>Configure dialog using classes</a:t>
             </a:r>
           </a:p>
           <a:p>
             <a:pPr lvl="1"/>
             <a:r>
-              <a:rPr lang="en-US" dirty="0" smtClean="0"/>
+              <a:rPr lang="en-US" dirty="0"/>
               <a:t>Container: modal</a:t>
             </a:r>
           </a:p>
           <a:p>
             <a:pPr lvl="2"/>
             <a:r>
-              <a:rPr lang="en-US" dirty="0" smtClean="0"/>
+              <a:rPr lang="en-US" dirty="0"/>
               <a:t>Configure dialog: modal-dialog</a:t>
             </a:r>
           </a:p>
@@ -3419,64 +3419,60 @@
             <a:pPr lvl="3"/>
             <a:r>
               <a:rPr lang="en-US" dirty="0"/>
-              <a:t>Content: </a:t>
-            </a:r>
-            <a:r>
-              <a:rPr lang="en-US" dirty="0" smtClean="0"/>
-              <a:t>modal-content</a:t>
+              <a:t>Content container: modal-content</a:t>
             </a:r>
           </a:p>
           <a:p>
             <a:pPr lvl="4"/>
             <a:r>
-              <a:rPr lang="en-US" dirty="0" smtClean="0"/>
+              <a:rPr lang="en-US" dirty="0"/>
               <a:t>Header: modal-header</a:t>
             </a:r>
           </a:p>
           <a:p>
             <a:pPr lvl="4"/>
             <a:r>
-              <a:rPr lang="en-US" dirty="0" smtClean="0"/>
-              <a:t>Content: modal-content</a:t>
+              <a:rPr lang="en-US" dirty="0"/>
+              <a:t>Content: modal-body</a:t>
             </a:r>
           </a:p>
           <a:p>
             <a:pPr lvl="4"/>
             <a:r>
-              <a:rPr lang="en-US" dirty="0" smtClean="0"/>
+              <a:rPr lang="en-US" dirty="0"/>
               <a:t>Footer: modal-footer</a:t>
             </a:r>
           </a:p>
           <a:p>
             <a:r>
-              <a:rPr lang="en-US" dirty="0" smtClean="0"/>
+              <a:rPr lang="en-US" dirty="0"/>
               <a:t>Configure launcher using classes</a:t>
             </a:r>
           </a:p>
           <a:p>
             <a:pPr lvl="1"/>
             <a:r>
-              <a:rPr lang="en-US" dirty="0" smtClean="0"/>
+              <a:rPr lang="en-US" dirty="0"/>
               <a:t>data-toggle="modal"</a:t>
             </a:r>
           </a:p>
           <a:p>
             <a:pPr lvl="1"/>
             <a:r>
-              <a:rPr lang="en-US" dirty="0" smtClean="0"/>
+              <a:rPr lang="en-US" dirty="0"/>
               <a:t>data-target="&lt;id&gt;"</a:t>
             </a:r>
           </a:p>
           <a:p>
             <a:r>
-              <a:rPr lang="en-US" dirty="0" smtClean="0"/>
+              <a:rPr lang="en-US" dirty="0"/>
               <a:t>Configure closer</a:t>
             </a:r>
           </a:p>
           <a:p>
             <a:pPr lvl="1"/>
             <a:r>
-              <a:rPr lang="en-US" dirty="0" smtClean="0"/>
+              <a:rPr lang="en-US"/>
               <a:t>data-dismiss="modal"</a:t>
             </a:r>
             <a:endParaRPr lang="en-US" dirty="0"/>
@@ -3899,6 +3895,12 @@
 </file>
 
 <file path=customXml/item1.xml><?xml version="1.0" encoding="utf-8"?>
+<p:properties xmlns:p="http://schemas.microsoft.com/office/2006/metadata/properties" xmlns:xsi="http://www.w3.org/2001/XMLSchema-instance" xmlns:pc="http://schemas.microsoft.com/office/infopath/2007/PartnerControls">
+  <documentManagement/>
+</p:properties>
+</file>
+
+<file path=customXml/item2.xml><?xml version="1.0" encoding="utf-8"?>
 <ct:contentTypeSchema xmlns:ct="http://schemas.microsoft.com/office/2006/metadata/contentType" xmlns:ma="http://schemas.microsoft.com/office/2006/metadata/properties/metaAttributes" ct:_="" ma:_="" ma:contentTypeName="Document" ma:contentTypeID="0x010100A9B9146463917044969030790F8D7E1F" ma:contentTypeVersion="1" ma:contentTypeDescription="Create a new document." ma:contentTypeScope="" ma:versionID="88cb810aac341a62f87e1e4b3de4b413">
   <xsd:schema xmlns:xsd="http://www.w3.org/2001/XMLSchema" xmlns:xs="http://www.w3.org/2001/XMLSchema" xmlns:p="http://schemas.microsoft.com/office/2006/metadata/properties" xmlns:ns3="239b4775-11ac-4188-ac69-b5b775bb2155" targetNamespace="http://schemas.microsoft.com/office/2006/metadata/properties" ma:root="true" ma:fieldsID="a6232b10dbb3dfcaf3920bb7009c4722" ns3:_="">
     <xsd:import namespace="239b4775-11ac-4188-ac69-b5b775bb2155"/>
@@ -4038,12 +4040,6 @@
 </ct:contentTypeSchema>
 </file>
 
-<file path=customXml/item2.xml><?xml version="1.0" encoding="utf-8"?>
-<p:properties xmlns:p="http://schemas.microsoft.com/office/2006/metadata/properties" xmlns:xsi="http://www.w3.org/2001/XMLSchema-instance" xmlns:pc="http://schemas.microsoft.com/office/infopath/2007/PartnerControls">
-  <documentManagement/>
-</p:properties>
-</file>
-
 <file path=customXml/item3.xml><?xml version="1.0" encoding="utf-8"?>
 <?mso-contentType ?>
 <FormTemplates xmlns="http://schemas.microsoft.com/sharepoint/v3/contenttype/forms">
@@ -4054,6 +4050,22 @@
 </file>
 
 <file path=customXml/itemProps1.xml><?xml version="1.0" encoding="utf-8"?>
+<ds:datastoreItem xmlns:ds="http://schemas.openxmlformats.org/officeDocument/2006/customXml" ds:itemID="{605C38A2-25DD-4ECF-BF7B-1D95CEE2F814}">
+  <ds:schemaRefs>
+    <ds:schemaRef ds:uri="http://schemas.microsoft.com/office/infopath/2007/PartnerControls"/>
+    <ds:schemaRef ds:uri="http://purl.org/dc/elements/1.1/"/>
+    <ds:schemaRef ds:uri="http://schemas.microsoft.com/office/2006/metadata/properties"/>
+    <ds:schemaRef ds:uri="http://schemas.microsoft.com/office/2006/documentManagement/types"/>
+    <ds:schemaRef ds:uri="http://purl.org/dc/terms/"/>
+    <ds:schemaRef ds:uri="http://schemas.openxmlformats.org/package/2006/metadata/core-properties"/>
+    <ds:schemaRef ds:uri="http://purl.org/dc/dcmitype/"/>
+    <ds:schemaRef ds:uri="239b4775-11ac-4188-ac69-b5b775bb2155"/>
+    <ds:schemaRef ds:uri="http://www.w3.org/XML/1998/namespace"/>
+  </ds:schemaRefs>
+</ds:datastoreItem>
+</file>
+
+<file path=customXml/itemProps2.xml><?xml version="1.0" encoding="utf-8"?>
 <ds:datastoreItem xmlns:ds="http://schemas.openxmlformats.org/officeDocument/2006/customXml" ds:itemID="{64076F6A-F6B4-41FD-BEBD-B0826AC555FB}">
   <ds:schemaRefs>
     <ds:schemaRef ds:uri="http://schemas.microsoft.com/office/2006/metadata/contentType"/>
@@ -4071,22 +4083,6 @@
 </ds:datastoreItem>
 </file>
 
-<file path=customXml/itemProps2.xml><?xml version="1.0" encoding="utf-8"?>
-<ds:datastoreItem xmlns:ds="http://schemas.openxmlformats.org/officeDocument/2006/customXml" ds:itemID="{605C38A2-25DD-4ECF-BF7B-1D95CEE2F814}">
-  <ds:schemaRefs>
-    <ds:schemaRef ds:uri="http://schemas.microsoft.com/office/infopath/2007/PartnerControls"/>
-    <ds:schemaRef ds:uri="http://purl.org/dc/elements/1.1/"/>
-    <ds:schemaRef ds:uri="http://schemas.microsoft.com/office/2006/metadata/properties"/>
-    <ds:schemaRef ds:uri="http://schemas.microsoft.com/office/2006/documentManagement/types"/>
-    <ds:schemaRef ds:uri="http://purl.org/dc/terms/"/>
-    <ds:schemaRef ds:uri="http://schemas.openxmlformats.org/package/2006/metadata/core-properties"/>
-    <ds:schemaRef ds:uri="http://purl.org/dc/dcmitype/"/>
-    <ds:schemaRef ds:uri="239b4775-11ac-4188-ac69-b5b775bb2155"/>
-    <ds:schemaRef ds:uri="http://www.w3.org/XML/1998/namespace"/>
-  </ds:schemaRefs>
-</ds:datastoreItem>
-</file>
-
 <file path=customXml/itemProps3.xml><?xml version="1.0" encoding="utf-8"?>
 <ds:datastoreItem xmlns:ds="http://schemas.openxmlformats.org/officeDocument/2006/customXml" ds:itemID="{90F66304-B63B-4DC3-9FE6-FB0A9E17CD06}">
   <ds:schemaRefs>
